--- a/봉공이(매크로).pptx
+++ b/봉공이(매크로).pptx
@@ -169,10 +169,9 @@
           </a:lstStyle>
           <a:p>
             <a:r>
-              <a:rPr lang="ko-KR" altLang="en-US" smtClean="0"/>
+              <a:rPr lang="ko-KR" altLang="en-US"/>
               <a:t>마스터 제목 스타일 편집</a:t>
             </a:r>
-            <a:endParaRPr lang="ko-KR" altLang="en-US"/>
           </a:p>
         </p:txBody>
       </p:sp>
@@ -234,10 +233,9 @@
           </a:lstStyle>
           <a:p>
             <a:r>
-              <a:rPr lang="ko-KR" altLang="en-US" smtClean="0"/>
+              <a:rPr lang="ko-KR" altLang="en-US"/>
               <a:t>클릭하여 마스터 부제목 스타일 편집</a:t>
             </a:r>
-            <a:endParaRPr lang="ko-KR" altLang="en-US"/>
           </a:p>
         </p:txBody>
       </p:sp>
@@ -352,10 +350,9 @@
           <a:lstStyle/>
           <a:p>
             <a:r>
-              <a:rPr lang="ko-KR" altLang="en-US" smtClean="0"/>
+              <a:rPr lang="ko-KR" altLang="en-US"/>
               <a:t>마스터 제목 스타일 편집</a:t>
             </a:r>
-            <a:endParaRPr lang="ko-KR" altLang="en-US"/>
           </a:p>
         </p:txBody>
       </p:sp>
@@ -376,38 +373,37 @@
           <a:p>
             <a:pPr lvl="0"/>
             <a:r>
-              <a:rPr lang="ko-KR" altLang="en-US" smtClean="0"/>
+              <a:rPr lang="ko-KR" altLang="en-US"/>
               <a:t>마스터 텍스트 스타일 편집</a:t>
             </a:r>
           </a:p>
           <a:p>
             <a:pPr lvl="1"/>
             <a:r>
-              <a:rPr lang="ko-KR" altLang="en-US" smtClean="0"/>
+              <a:rPr lang="ko-KR" altLang="en-US"/>
               <a:t>둘째 수준</a:t>
             </a:r>
           </a:p>
           <a:p>
             <a:pPr lvl="2"/>
             <a:r>
-              <a:rPr lang="ko-KR" altLang="en-US" smtClean="0"/>
+              <a:rPr lang="ko-KR" altLang="en-US"/>
               <a:t>셋째 수준</a:t>
             </a:r>
           </a:p>
           <a:p>
             <a:pPr lvl="3"/>
             <a:r>
-              <a:rPr lang="ko-KR" altLang="en-US" smtClean="0"/>
+              <a:rPr lang="ko-KR" altLang="en-US"/>
               <a:t>넷째 수준</a:t>
             </a:r>
           </a:p>
           <a:p>
             <a:pPr lvl="4"/>
             <a:r>
-              <a:rPr lang="ko-KR" altLang="en-US" smtClean="0"/>
+              <a:rPr lang="ko-KR" altLang="en-US"/>
               <a:t>다섯째 수준</a:t>
             </a:r>
-            <a:endParaRPr lang="ko-KR" altLang="en-US"/>
           </a:p>
         </p:txBody>
       </p:sp>
@@ -527,10 +523,9 @@
           <a:lstStyle/>
           <a:p>
             <a:r>
-              <a:rPr lang="ko-KR" altLang="en-US" smtClean="0"/>
+              <a:rPr lang="ko-KR" altLang="en-US"/>
               <a:t>마스터 제목 스타일 편집</a:t>
             </a:r>
-            <a:endParaRPr lang="ko-KR" altLang="en-US"/>
           </a:p>
         </p:txBody>
       </p:sp>
@@ -556,38 +551,37 @@
           <a:p>
             <a:pPr lvl="0"/>
             <a:r>
-              <a:rPr lang="ko-KR" altLang="en-US" smtClean="0"/>
+              <a:rPr lang="ko-KR" altLang="en-US"/>
               <a:t>마스터 텍스트 스타일 편집</a:t>
             </a:r>
           </a:p>
           <a:p>
             <a:pPr lvl="1"/>
             <a:r>
-              <a:rPr lang="ko-KR" altLang="en-US" smtClean="0"/>
+              <a:rPr lang="ko-KR" altLang="en-US"/>
               <a:t>둘째 수준</a:t>
             </a:r>
           </a:p>
           <a:p>
             <a:pPr lvl="2"/>
             <a:r>
-              <a:rPr lang="ko-KR" altLang="en-US" smtClean="0"/>
+              <a:rPr lang="ko-KR" altLang="en-US"/>
               <a:t>셋째 수준</a:t>
             </a:r>
           </a:p>
           <a:p>
             <a:pPr lvl="3"/>
             <a:r>
-              <a:rPr lang="ko-KR" altLang="en-US" smtClean="0"/>
+              <a:rPr lang="ko-KR" altLang="en-US"/>
               <a:t>넷째 수준</a:t>
             </a:r>
           </a:p>
           <a:p>
             <a:pPr lvl="4"/>
             <a:r>
-              <a:rPr lang="ko-KR" altLang="en-US" smtClean="0"/>
+              <a:rPr lang="ko-KR" altLang="en-US"/>
               <a:t>다섯째 수준</a:t>
             </a:r>
-            <a:endParaRPr lang="ko-KR" altLang="en-US"/>
           </a:p>
         </p:txBody>
       </p:sp>
@@ -702,10 +696,9 @@
           <a:lstStyle/>
           <a:p>
             <a:r>
-              <a:rPr lang="ko-KR" altLang="en-US" smtClean="0"/>
+              <a:rPr lang="ko-KR" altLang="en-US"/>
               <a:t>마스터 제목 스타일 편집</a:t>
             </a:r>
-            <a:endParaRPr lang="ko-KR" altLang="en-US"/>
           </a:p>
         </p:txBody>
       </p:sp>
@@ -726,38 +719,37 @@
           <a:p>
             <a:pPr lvl="0"/>
             <a:r>
-              <a:rPr lang="ko-KR" altLang="en-US" smtClean="0"/>
+              <a:rPr lang="ko-KR" altLang="en-US"/>
               <a:t>마스터 텍스트 스타일 편집</a:t>
             </a:r>
           </a:p>
           <a:p>
             <a:pPr lvl="1"/>
             <a:r>
-              <a:rPr lang="ko-KR" altLang="en-US" smtClean="0"/>
+              <a:rPr lang="ko-KR" altLang="en-US"/>
               <a:t>둘째 수준</a:t>
             </a:r>
           </a:p>
           <a:p>
             <a:pPr lvl="2"/>
             <a:r>
-              <a:rPr lang="ko-KR" altLang="en-US" smtClean="0"/>
+              <a:rPr lang="ko-KR" altLang="en-US"/>
               <a:t>셋째 수준</a:t>
             </a:r>
           </a:p>
           <a:p>
             <a:pPr lvl="3"/>
             <a:r>
-              <a:rPr lang="ko-KR" altLang="en-US" smtClean="0"/>
+              <a:rPr lang="ko-KR" altLang="en-US"/>
               <a:t>넷째 수준</a:t>
             </a:r>
           </a:p>
           <a:p>
             <a:pPr lvl="4"/>
             <a:r>
-              <a:rPr lang="ko-KR" altLang="en-US" smtClean="0"/>
+              <a:rPr lang="ko-KR" altLang="en-US"/>
               <a:t>다섯째 수준</a:t>
             </a:r>
-            <a:endParaRPr lang="ko-KR" altLang="en-US"/>
           </a:p>
         </p:txBody>
       </p:sp>
@@ -881,10 +873,9 @@
           </a:lstStyle>
           <a:p>
             <a:r>
-              <a:rPr lang="ko-KR" altLang="en-US" smtClean="0"/>
+              <a:rPr lang="ko-KR" altLang="en-US"/>
               <a:t>마스터 제목 스타일 편집</a:t>
             </a:r>
-            <a:endParaRPr lang="ko-KR" altLang="en-US"/>
           </a:p>
         </p:txBody>
       </p:sp>
@@ -1001,7 +992,7 @@
           <a:p>
             <a:pPr lvl="0"/>
             <a:r>
-              <a:rPr lang="ko-KR" altLang="en-US" smtClean="0"/>
+              <a:rPr lang="ko-KR" altLang="en-US"/>
               <a:t>마스터 텍스트 스타일 편집</a:t>
             </a:r>
           </a:p>
@@ -1118,10 +1109,9 @@
           <a:lstStyle/>
           <a:p>
             <a:r>
-              <a:rPr lang="ko-KR" altLang="en-US" smtClean="0"/>
+              <a:rPr lang="ko-KR" altLang="en-US"/>
               <a:t>마스터 제목 스타일 편집</a:t>
             </a:r>
-            <a:endParaRPr lang="ko-KR" altLang="en-US"/>
           </a:p>
         </p:txBody>
       </p:sp>
@@ -1147,38 +1137,37 @@
           <a:p>
             <a:pPr lvl="0"/>
             <a:r>
-              <a:rPr lang="ko-KR" altLang="en-US" smtClean="0"/>
+              <a:rPr lang="ko-KR" altLang="en-US"/>
               <a:t>마스터 텍스트 스타일 편집</a:t>
             </a:r>
           </a:p>
           <a:p>
             <a:pPr lvl="1"/>
             <a:r>
-              <a:rPr lang="ko-KR" altLang="en-US" smtClean="0"/>
+              <a:rPr lang="ko-KR" altLang="en-US"/>
               <a:t>둘째 수준</a:t>
             </a:r>
           </a:p>
           <a:p>
             <a:pPr lvl="2"/>
             <a:r>
-              <a:rPr lang="ko-KR" altLang="en-US" smtClean="0"/>
+              <a:rPr lang="ko-KR" altLang="en-US"/>
               <a:t>셋째 수준</a:t>
             </a:r>
           </a:p>
           <a:p>
             <a:pPr lvl="3"/>
             <a:r>
-              <a:rPr lang="ko-KR" altLang="en-US" smtClean="0"/>
+              <a:rPr lang="ko-KR" altLang="en-US"/>
               <a:t>넷째 수준</a:t>
             </a:r>
           </a:p>
           <a:p>
             <a:pPr lvl="4"/>
             <a:r>
-              <a:rPr lang="ko-KR" altLang="en-US" smtClean="0"/>
+              <a:rPr lang="ko-KR" altLang="en-US"/>
               <a:t>다섯째 수준</a:t>
             </a:r>
-            <a:endParaRPr lang="ko-KR" altLang="en-US"/>
           </a:p>
         </p:txBody>
       </p:sp>
@@ -1204,38 +1193,37 @@
           <a:p>
             <a:pPr lvl="0"/>
             <a:r>
-              <a:rPr lang="ko-KR" altLang="en-US" smtClean="0"/>
+              <a:rPr lang="ko-KR" altLang="en-US"/>
               <a:t>마스터 텍스트 스타일 편집</a:t>
             </a:r>
           </a:p>
           <a:p>
             <a:pPr lvl="1"/>
             <a:r>
-              <a:rPr lang="ko-KR" altLang="en-US" smtClean="0"/>
+              <a:rPr lang="ko-KR" altLang="en-US"/>
               <a:t>둘째 수준</a:t>
             </a:r>
           </a:p>
           <a:p>
             <a:pPr lvl="2"/>
             <a:r>
-              <a:rPr lang="ko-KR" altLang="en-US" smtClean="0"/>
+              <a:rPr lang="ko-KR" altLang="en-US"/>
               <a:t>셋째 수준</a:t>
             </a:r>
           </a:p>
           <a:p>
             <a:pPr lvl="3"/>
             <a:r>
-              <a:rPr lang="ko-KR" altLang="en-US" smtClean="0"/>
+              <a:rPr lang="ko-KR" altLang="en-US"/>
               <a:t>넷째 수준</a:t>
             </a:r>
           </a:p>
           <a:p>
             <a:pPr lvl="4"/>
             <a:r>
-              <a:rPr lang="ko-KR" altLang="en-US" smtClean="0"/>
+              <a:rPr lang="ko-KR" altLang="en-US"/>
               <a:t>다섯째 수준</a:t>
             </a:r>
-            <a:endParaRPr lang="ko-KR" altLang="en-US"/>
           </a:p>
         </p:txBody>
       </p:sp>
@@ -1355,10 +1343,9 @@
           <a:lstStyle/>
           <a:p>
             <a:r>
-              <a:rPr lang="ko-KR" altLang="en-US" smtClean="0"/>
+              <a:rPr lang="ko-KR" altLang="en-US"/>
               <a:t>마스터 제목 스타일 편집</a:t>
             </a:r>
-            <a:endParaRPr lang="ko-KR" altLang="en-US"/>
           </a:p>
         </p:txBody>
       </p:sp>
@@ -1421,7 +1408,7 @@
           <a:p>
             <a:pPr lvl="0"/>
             <a:r>
-              <a:rPr lang="ko-KR" altLang="en-US" smtClean="0"/>
+              <a:rPr lang="ko-KR" altLang="en-US"/>
               <a:t>마스터 텍스트 스타일 편집</a:t>
             </a:r>
           </a:p>
@@ -1449,38 +1436,37 @@
           <a:p>
             <a:pPr lvl="0"/>
             <a:r>
-              <a:rPr lang="ko-KR" altLang="en-US" smtClean="0"/>
+              <a:rPr lang="ko-KR" altLang="en-US"/>
               <a:t>마스터 텍스트 스타일 편집</a:t>
             </a:r>
           </a:p>
           <a:p>
             <a:pPr lvl="1"/>
             <a:r>
-              <a:rPr lang="ko-KR" altLang="en-US" smtClean="0"/>
+              <a:rPr lang="ko-KR" altLang="en-US"/>
               <a:t>둘째 수준</a:t>
             </a:r>
           </a:p>
           <a:p>
             <a:pPr lvl="2"/>
             <a:r>
-              <a:rPr lang="ko-KR" altLang="en-US" smtClean="0"/>
+              <a:rPr lang="ko-KR" altLang="en-US"/>
               <a:t>셋째 수준</a:t>
             </a:r>
           </a:p>
           <a:p>
             <a:pPr lvl="3"/>
             <a:r>
-              <a:rPr lang="ko-KR" altLang="en-US" smtClean="0"/>
+              <a:rPr lang="ko-KR" altLang="en-US"/>
               <a:t>넷째 수준</a:t>
             </a:r>
           </a:p>
           <a:p>
             <a:pPr lvl="4"/>
             <a:r>
-              <a:rPr lang="ko-KR" altLang="en-US" smtClean="0"/>
+              <a:rPr lang="ko-KR" altLang="en-US"/>
               <a:t>다섯째 수준</a:t>
             </a:r>
-            <a:endParaRPr lang="ko-KR" altLang="en-US"/>
           </a:p>
         </p:txBody>
       </p:sp>
@@ -1543,7 +1529,7 @@
           <a:p>
             <a:pPr lvl="0"/>
             <a:r>
-              <a:rPr lang="ko-KR" altLang="en-US" smtClean="0"/>
+              <a:rPr lang="ko-KR" altLang="en-US"/>
               <a:t>마스터 텍스트 스타일 편집</a:t>
             </a:r>
           </a:p>
@@ -1571,38 +1557,37 @@
           <a:p>
             <a:pPr lvl="0"/>
             <a:r>
-              <a:rPr lang="ko-KR" altLang="en-US" smtClean="0"/>
+              <a:rPr lang="ko-KR" altLang="en-US"/>
               <a:t>마스터 텍스트 스타일 편집</a:t>
             </a:r>
           </a:p>
           <a:p>
             <a:pPr lvl="1"/>
             <a:r>
-              <a:rPr lang="ko-KR" altLang="en-US" smtClean="0"/>
+              <a:rPr lang="ko-KR" altLang="en-US"/>
               <a:t>둘째 수준</a:t>
             </a:r>
           </a:p>
           <a:p>
             <a:pPr lvl="2"/>
             <a:r>
-              <a:rPr lang="ko-KR" altLang="en-US" smtClean="0"/>
+              <a:rPr lang="ko-KR" altLang="en-US"/>
               <a:t>셋째 수준</a:t>
             </a:r>
           </a:p>
           <a:p>
             <a:pPr lvl="3"/>
             <a:r>
-              <a:rPr lang="ko-KR" altLang="en-US" smtClean="0"/>
+              <a:rPr lang="ko-KR" altLang="en-US"/>
               <a:t>넷째 수준</a:t>
             </a:r>
           </a:p>
           <a:p>
             <a:pPr lvl="4"/>
             <a:r>
-              <a:rPr lang="ko-KR" altLang="en-US" smtClean="0"/>
+              <a:rPr lang="ko-KR" altLang="en-US"/>
               <a:t>다섯째 수준</a:t>
             </a:r>
-            <a:endParaRPr lang="ko-KR" altLang="en-US"/>
           </a:p>
         </p:txBody>
       </p:sp>
@@ -1717,10 +1702,9 @@
           <a:lstStyle/>
           <a:p>
             <a:r>
-              <a:rPr lang="ko-KR" altLang="en-US" smtClean="0"/>
+              <a:rPr lang="ko-KR" altLang="en-US"/>
               <a:t>마스터 제목 스타일 편집</a:t>
             </a:r>
-            <a:endParaRPr lang="ko-KR" altLang="en-US"/>
           </a:p>
         </p:txBody>
       </p:sp>
@@ -1939,10 +1923,9 @@
           </a:lstStyle>
           <a:p>
             <a:r>
-              <a:rPr lang="ko-KR" altLang="en-US" smtClean="0"/>
+              <a:rPr lang="ko-KR" altLang="en-US"/>
               <a:t>마스터 제목 스타일 편집</a:t>
             </a:r>
-            <a:endParaRPr lang="ko-KR" altLang="en-US"/>
           </a:p>
         </p:txBody>
       </p:sp>
@@ -1996,38 +1979,37 @@
           <a:p>
             <a:pPr lvl="0"/>
             <a:r>
-              <a:rPr lang="ko-KR" altLang="en-US" smtClean="0"/>
+              <a:rPr lang="ko-KR" altLang="en-US"/>
               <a:t>마스터 텍스트 스타일 편집</a:t>
             </a:r>
           </a:p>
           <a:p>
             <a:pPr lvl="1"/>
             <a:r>
-              <a:rPr lang="ko-KR" altLang="en-US" smtClean="0"/>
+              <a:rPr lang="ko-KR" altLang="en-US"/>
               <a:t>둘째 수준</a:t>
             </a:r>
           </a:p>
           <a:p>
             <a:pPr lvl="2"/>
             <a:r>
-              <a:rPr lang="ko-KR" altLang="en-US" smtClean="0"/>
+              <a:rPr lang="ko-KR" altLang="en-US"/>
               <a:t>셋째 수준</a:t>
             </a:r>
           </a:p>
           <a:p>
             <a:pPr lvl="3"/>
             <a:r>
-              <a:rPr lang="ko-KR" altLang="en-US" smtClean="0"/>
+              <a:rPr lang="ko-KR" altLang="en-US"/>
               <a:t>넷째 수준</a:t>
             </a:r>
           </a:p>
           <a:p>
             <a:pPr lvl="4"/>
             <a:r>
-              <a:rPr lang="ko-KR" altLang="en-US" smtClean="0"/>
+              <a:rPr lang="ko-KR" altLang="en-US"/>
               <a:t>다섯째 수준</a:t>
             </a:r>
-            <a:endParaRPr lang="ko-KR" altLang="en-US"/>
           </a:p>
         </p:txBody>
       </p:sp>
@@ -2090,7 +2072,7 @@
           <a:p>
             <a:pPr lvl="0"/>
             <a:r>
-              <a:rPr lang="ko-KR" altLang="en-US" smtClean="0"/>
+              <a:rPr lang="ko-KR" altLang="en-US"/>
               <a:t>마스터 텍스트 스타일 편집</a:t>
             </a:r>
           </a:p>
@@ -2216,10 +2198,9 @@
           </a:lstStyle>
           <a:p>
             <a:r>
-              <a:rPr lang="ko-KR" altLang="en-US" smtClean="0"/>
+              <a:rPr lang="ko-KR" altLang="en-US"/>
               <a:t>마스터 제목 스타일 편집</a:t>
             </a:r>
-            <a:endParaRPr lang="ko-KR" altLang="en-US"/>
           </a:p>
         </p:txBody>
       </p:sp>
@@ -2281,10 +2262,9 @@
           </a:lstStyle>
           <a:p>
             <a:r>
-              <a:rPr lang="ko-KR" altLang="en-US" smtClean="0"/>
+              <a:rPr lang="ko-KR" altLang="en-US"/>
               <a:t>그림을 추가하려면 아이콘을 클릭하십시오</a:t>
             </a:r>
-            <a:endParaRPr lang="ko-KR" altLang="en-US"/>
           </a:p>
         </p:txBody>
       </p:sp>
@@ -2347,7 +2327,7 @@
           <a:p>
             <a:pPr lvl="0"/>
             <a:r>
-              <a:rPr lang="ko-KR" altLang="en-US" smtClean="0"/>
+              <a:rPr lang="ko-KR" altLang="en-US"/>
               <a:t>마스터 텍스트 스타일 편집</a:t>
             </a:r>
           </a:p>
@@ -2479,10 +2459,9 @@
           <a:lstStyle/>
           <a:p>
             <a:r>
-              <a:rPr lang="ko-KR" altLang="en-US" smtClean="0"/>
+              <a:rPr lang="ko-KR" altLang="en-US"/>
               <a:t>마스터 제목 스타일 편집</a:t>
             </a:r>
-            <a:endParaRPr lang="ko-KR" altLang="en-US"/>
           </a:p>
         </p:txBody>
       </p:sp>
@@ -2513,38 +2492,37 @@
           <a:p>
             <a:pPr lvl="0"/>
             <a:r>
-              <a:rPr lang="ko-KR" altLang="en-US" smtClean="0"/>
+              <a:rPr lang="ko-KR" altLang="en-US"/>
               <a:t>마스터 텍스트 스타일 편집</a:t>
             </a:r>
           </a:p>
           <a:p>
             <a:pPr lvl="1"/>
             <a:r>
-              <a:rPr lang="ko-KR" altLang="en-US" smtClean="0"/>
+              <a:rPr lang="ko-KR" altLang="en-US"/>
               <a:t>둘째 수준</a:t>
             </a:r>
           </a:p>
           <a:p>
             <a:pPr lvl="2"/>
             <a:r>
-              <a:rPr lang="ko-KR" altLang="en-US" smtClean="0"/>
+              <a:rPr lang="ko-KR" altLang="en-US"/>
               <a:t>셋째 수준</a:t>
             </a:r>
           </a:p>
           <a:p>
             <a:pPr lvl="3"/>
             <a:r>
-              <a:rPr lang="ko-KR" altLang="en-US" smtClean="0"/>
+              <a:rPr lang="ko-KR" altLang="en-US"/>
               <a:t>넷째 수준</a:t>
             </a:r>
           </a:p>
           <a:p>
             <a:pPr lvl="4"/>
             <a:r>
-              <a:rPr lang="ko-KR" altLang="en-US" smtClean="0"/>
+              <a:rPr lang="ko-KR" altLang="en-US"/>
               <a:t>다섯째 수준</a:t>
             </a:r>
-            <a:endParaRPr lang="ko-KR" altLang="en-US"/>
           </a:p>
         </p:txBody>
       </p:sp>
